--- a/CalendarioAgo2022/presentaciones/4_Funciones.pptx
+++ b/CalendarioAgo2022/presentaciones/4_Funciones.pptx
@@ -231,7 +231,7 @@
           <a:p>
             <a:fld id="{DDE721D5-655F-45D2-B717-3C4CD78C8568}" type="datetimeFigureOut">
               <a:rPr lang="es-MX" smtClean="0"/>
-              <a:t>07/08/2022</a:t>
+              <a:t>10/08/2022</a:t>
             </a:fld>
             <a:endParaRPr lang="es-MX" dirty="0"/>
           </a:p>
@@ -1268,7 +1268,7 @@
           <a:p>
             <a:fld id="{B3F3E716-CACC-4490-AD07-F24B6A68DE47}" type="datetimeFigureOut">
               <a:rPr lang="es-MX" smtClean="0"/>
-              <a:t>07/08/2022</a:t>
+              <a:t>10/08/2022</a:t>
             </a:fld>
             <a:endParaRPr lang="es-MX" dirty="0"/>
           </a:p>
@@ -1438,7 +1438,7 @@
           <a:p>
             <a:fld id="{B3F3E716-CACC-4490-AD07-F24B6A68DE47}" type="datetimeFigureOut">
               <a:rPr lang="es-MX" smtClean="0"/>
-              <a:t>07/08/2022</a:t>
+              <a:t>10/08/2022</a:t>
             </a:fld>
             <a:endParaRPr lang="es-MX" dirty="0"/>
           </a:p>
@@ -1618,7 +1618,7 @@
           <a:p>
             <a:fld id="{B3F3E716-CACC-4490-AD07-F24B6A68DE47}" type="datetimeFigureOut">
               <a:rPr lang="es-MX" smtClean="0"/>
-              <a:t>07/08/2022</a:t>
+              <a:t>10/08/2022</a:t>
             </a:fld>
             <a:endParaRPr lang="es-MX" dirty="0"/>
           </a:p>
@@ -1771,7 +1771,7 @@
           <a:p>
             <a:fld id="{1D8BD707-D9CF-40AE-B4C6-C98DA3205C09}" type="datetimeFigureOut">
               <a:rPr lang="en-US" smtClean="0"/>
-              <a:t>8/7/2022</a:t>
+              <a:t>8/10/2022</a:t>
             </a:fld>
             <a:endParaRPr lang="en-US" dirty="0"/>
           </a:p>
@@ -1931,7 +1931,7 @@
           <a:p>
             <a:fld id="{B3F3E716-CACC-4490-AD07-F24B6A68DE47}" type="datetimeFigureOut">
               <a:rPr lang="es-MX" smtClean="0"/>
-              <a:t>07/08/2022</a:t>
+              <a:t>10/08/2022</a:t>
             </a:fld>
             <a:endParaRPr lang="es-MX" dirty="0"/>
           </a:p>
@@ -2177,7 +2177,7 @@
           <a:p>
             <a:fld id="{B3F3E716-CACC-4490-AD07-F24B6A68DE47}" type="datetimeFigureOut">
               <a:rPr lang="es-MX" smtClean="0"/>
-              <a:t>07/08/2022</a:t>
+              <a:t>10/08/2022</a:t>
             </a:fld>
             <a:endParaRPr lang="es-MX" dirty="0"/>
           </a:p>
@@ -2465,7 +2465,7 @@
           <a:p>
             <a:fld id="{B3F3E716-CACC-4490-AD07-F24B6A68DE47}" type="datetimeFigureOut">
               <a:rPr lang="es-MX" smtClean="0"/>
-              <a:t>07/08/2022</a:t>
+              <a:t>10/08/2022</a:t>
             </a:fld>
             <a:endParaRPr lang="es-MX" dirty="0"/>
           </a:p>
@@ -2887,7 +2887,7 @@
           <a:p>
             <a:fld id="{B3F3E716-CACC-4490-AD07-F24B6A68DE47}" type="datetimeFigureOut">
               <a:rPr lang="es-MX" smtClean="0"/>
-              <a:t>07/08/2022</a:t>
+              <a:t>10/08/2022</a:t>
             </a:fld>
             <a:endParaRPr lang="es-MX" dirty="0"/>
           </a:p>
@@ -3005,7 +3005,7 @@
           <a:p>
             <a:fld id="{B3F3E716-CACC-4490-AD07-F24B6A68DE47}" type="datetimeFigureOut">
               <a:rPr lang="es-MX" smtClean="0"/>
-              <a:t>07/08/2022</a:t>
+              <a:t>10/08/2022</a:t>
             </a:fld>
             <a:endParaRPr lang="es-MX" dirty="0"/>
           </a:p>
@@ -3100,7 +3100,7 @@
           <a:p>
             <a:fld id="{B3F3E716-CACC-4490-AD07-F24B6A68DE47}" type="datetimeFigureOut">
               <a:rPr lang="es-MX" smtClean="0"/>
-              <a:t>07/08/2022</a:t>
+              <a:t>10/08/2022</a:t>
             </a:fld>
             <a:endParaRPr lang="es-MX" dirty="0"/>
           </a:p>
@@ -3377,7 +3377,7 @@
           <a:p>
             <a:fld id="{B3F3E716-CACC-4490-AD07-F24B6A68DE47}" type="datetimeFigureOut">
               <a:rPr lang="es-MX" smtClean="0"/>
-              <a:t>07/08/2022</a:t>
+              <a:t>10/08/2022</a:t>
             </a:fld>
             <a:endParaRPr lang="es-MX" dirty="0"/>
           </a:p>
@@ -3630,7 +3630,7 @@
           <a:p>
             <a:fld id="{B3F3E716-CACC-4490-AD07-F24B6A68DE47}" type="datetimeFigureOut">
               <a:rPr lang="es-MX" smtClean="0"/>
-              <a:t>07/08/2022</a:t>
+              <a:t>10/08/2022</a:t>
             </a:fld>
             <a:endParaRPr lang="es-MX" dirty="0"/>
           </a:p>
@@ -3843,7 +3843,7 @@
           <a:p>
             <a:fld id="{B3F3E716-CACC-4490-AD07-F24B6A68DE47}" type="datetimeFigureOut">
               <a:rPr lang="es-MX" smtClean="0"/>
-              <a:t>07/08/2022</a:t>
+              <a:t>10/08/2022</a:t>
             </a:fld>
             <a:endParaRPr lang="es-MX" dirty="0"/>
           </a:p>
@@ -12873,10 +12873,10 @@
       </p:sp>
       <p:pic>
         <p:nvPicPr>
-          <p:cNvPr id="5" name="Imagen 4">
+          <p:cNvPr id="7" name="Imagen 6">
             <a:extLst>
               <a:ext uri="{FF2B5EF4-FFF2-40B4-BE49-F238E27FC236}">
-                <a16:creationId xmlns:a16="http://schemas.microsoft.com/office/drawing/2014/main" id="{AD11E001-B8E2-445A-BF43-625BB10CDB43}"/>
+                <a16:creationId xmlns:a16="http://schemas.microsoft.com/office/drawing/2014/main" id="{D27486D1-2852-48B3-AFBD-B36F2C3257E9}"/>
               </a:ext>
             </a:extLst>
           </p:cNvPr>
@@ -12893,45 +12893,8 @@
         </p:blipFill>
         <p:spPr>
           <a:xfrm>
-            <a:off x="3851920" y="4653136"/>
-            <a:ext cx="4857750" cy="1114425"/>
-          </a:xfrm>
-          <a:prstGeom prst="rect">
-            <a:avLst/>
-          </a:prstGeom>
-          <a:effectLst>
-            <a:outerShdw blurRad="63500" sx="102000" sy="102000" algn="ctr" rotWithShape="0">
-              <a:prstClr val="black">
-                <a:alpha val="40000"/>
-              </a:prstClr>
-            </a:outerShdw>
-          </a:effectLst>
-        </p:spPr>
-      </p:pic>
-      <p:pic>
-        <p:nvPicPr>
-          <p:cNvPr id="3" name="Imagen 2">
-            <a:extLst>
-              <a:ext uri="{FF2B5EF4-FFF2-40B4-BE49-F238E27FC236}">
-                <a16:creationId xmlns:a16="http://schemas.microsoft.com/office/drawing/2014/main" id="{23C6BE18-FC2D-4754-8DFF-048367A8023F}"/>
-              </a:ext>
-            </a:extLst>
-          </p:cNvPr>
-          <p:cNvPicPr>
-            <a:picLocks noChangeAspect="1"/>
-          </p:cNvPicPr>
-          <p:nvPr/>
-        </p:nvPicPr>
-        <p:blipFill>
-          <a:blip r:embed="rId3"/>
-          <a:stretch>
-            <a:fillRect/>
-          </a:stretch>
-        </p:blipFill>
-        <p:spPr>
-          <a:xfrm>
-            <a:off x="377849" y="1467390"/>
-            <a:ext cx="8591550" cy="2867025"/>
+            <a:off x="899592" y="1573380"/>
+            <a:ext cx="7236296" cy="3711239"/>
           </a:xfrm>
           <a:prstGeom prst="rect">
             <a:avLst/>
